--- a/public/ver_full_pf_a/Stimuli/Feature_Task_Instructions.pptx
+++ b/public/ver_full_pf_a/Stimuli/Feature_Task_Instructions.pptx
@@ -115,6 +115,22 @@
       </a:defRPr>
     </a:lvl9pPr>
   </p:defaultTextStyle>
+  <p:extLst>
+    <p:ext uri="{EFAFB233-063F-42B5-8137-9DF3F51BA10A}">
+      <p15:sldGuideLst xmlns:p15="http://schemas.microsoft.com/office/powerpoint/2012/main">
+        <p15:guide id="1" orient="horz" pos="1384">
+          <p15:clr>
+            <a:srgbClr val="A4A3A4"/>
+          </p15:clr>
+        </p15:guide>
+        <p15:guide id="2" pos="4457">
+          <p15:clr>
+            <a:srgbClr val="A4A3A4"/>
+          </p15:clr>
+        </p15:guide>
+      </p15:sldGuideLst>
+    </p:ext>
+  </p:extLst>
 </p:presentation>
 </file>
 
@@ -200,7 +216,7 @@
           <a:p>
             <a:fld id="{3192A44D-4A7C-7F48-9549-99DB465B055C}" type="datetimeFigureOut">
               <a:rPr lang="en-US" smtClean="0"/>
-              <a:t>9/4/20</a:t>
+              <a:t>9/28/20</a:t>
             </a:fld>
             <a:endParaRPr lang="en-US"/>
           </a:p>
@@ -264,38 +280,37 @@
           <a:p>
             <a:pPr lvl="0"/>
             <a:r>
-              <a:rPr lang="en-US" smtClean="0"/>
+              <a:rPr lang="en-US"/>
               <a:t>Click to edit Master text styles</a:t>
             </a:r>
           </a:p>
           <a:p>
             <a:pPr lvl="1"/>
             <a:r>
-              <a:rPr lang="en-US" smtClean="0"/>
+              <a:rPr lang="en-US"/>
               <a:t>Second level</a:t>
             </a:r>
           </a:p>
           <a:p>
             <a:pPr lvl="2"/>
             <a:r>
-              <a:rPr lang="en-US" smtClean="0"/>
+              <a:rPr lang="en-US"/>
               <a:t>Third level</a:t>
             </a:r>
           </a:p>
           <a:p>
             <a:pPr lvl="3"/>
             <a:r>
-              <a:rPr lang="en-US" smtClean="0"/>
+              <a:rPr lang="en-US"/>
               <a:t>Fourth level</a:t>
             </a:r>
           </a:p>
           <a:p>
             <a:pPr lvl="4"/>
             <a:r>
-              <a:rPr lang="en-US" smtClean="0"/>
+              <a:rPr lang="en-US"/>
               <a:t>Fifth level</a:t>
             </a:r>
-            <a:endParaRPr lang="en-US"/>
           </a:p>
         </p:txBody>
       </p:sp>
@@ -590,10 +605,9 @@
           <a:lstStyle/>
           <a:p>
             <a:r>
-              <a:rPr lang="en-US" smtClean="0"/>
+              <a:rPr lang="en-US"/>
               <a:t>Click to edit Master title style</a:t>
             </a:r>
-            <a:endParaRPr lang="en-US"/>
           </a:p>
         </p:txBody>
       </p:sp>
@@ -709,10 +723,9 @@
           </a:lstStyle>
           <a:p>
             <a:r>
-              <a:rPr lang="en-US" smtClean="0"/>
+              <a:rPr lang="en-US"/>
               <a:t>Click to edit Master subtitle style</a:t>
             </a:r>
-            <a:endParaRPr lang="en-US"/>
           </a:p>
         </p:txBody>
       </p:sp>
@@ -733,7 +746,7 @@
           <a:p>
             <a:fld id="{BB31085E-388F-BE40-B147-0BFB91CD71E7}" type="datetimeFigureOut">
               <a:rPr lang="en-US" smtClean="0"/>
-              <a:t>9/4/20</a:t>
+              <a:t>9/28/20</a:t>
             </a:fld>
             <a:endParaRPr lang="en-US"/>
           </a:p>
@@ -827,10 +840,9 @@
           <a:lstStyle/>
           <a:p>
             <a:r>
-              <a:rPr lang="en-US" smtClean="0"/>
+              <a:rPr lang="en-US"/>
               <a:t>Click to edit Master title style</a:t>
             </a:r>
-            <a:endParaRPr lang="en-US"/>
           </a:p>
         </p:txBody>
       </p:sp>
@@ -851,38 +863,37 @@
           <a:p>
             <a:pPr lvl="0"/>
             <a:r>
-              <a:rPr lang="en-US" smtClean="0"/>
+              <a:rPr lang="en-US"/>
               <a:t>Click to edit Master text styles</a:t>
             </a:r>
           </a:p>
           <a:p>
             <a:pPr lvl="1"/>
             <a:r>
-              <a:rPr lang="en-US" smtClean="0"/>
+              <a:rPr lang="en-US"/>
               <a:t>Second level</a:t>
             </a:r>
           </a:p>
           <a:p>
             <a:pPr lvl="2"/>
             <a:r>
-              <a:rPr lang="en-US" smtClean="0"/>
+              <a:rPr lang="en-US"/>
               <a:t>Third level</a:t>
             </a:r>
           </a:p>
           <a:p>
             <a:pPr lvl="3"/>
             <a:r>
-              <a:rPr lang="en-US" smtClean="0"/>
+              <a:rPr lang="en-US"/>
               <a:t>Fourth level</a:t>
             </a:r>
           </a:p>
           <a:p>
             <a:pPr lvl="4"/>
             <a:r>
-              <a:rPr lang="en-US" smtClean="0"/>
+              <a:rPr lang="en-US"/>
               <a:t>Fifth level</a:t>
             </a:r>
-            <a:endParaRPr lang="en-US"/>
           </a:p>
         </p:txBody>
       </p:sp>
@@ -903,7 +914,7 @@
           <a:p>
             <a:fld id="{BB31085E-388F-BE40-B147-0BFB91CD71E7}" type="datetimeFigureOut">
               <a:rPr lang="en-US" smtClean="0"/>
-              <a:t>9/4/20</a:t>
+              <a:t>9/28/20</a:t>
             </a:fld>
             <a:endParaRPr lang="en-US"/>
           </a:p>
@@ -1002,10 +1013,9 @@
           <a:lstStyle/>
           <a:p>
             <a:r>
-              <a:rPr lang="en-US" smtClean="0"/>
+              <a:rPr lang="en-US"/>
               <a:t>Click to edit Master title style</a:t>
             </a:r>
-            <a:endParaRPr lang="en-US"/>
           </a:p>
         </p:txBody>
       </p:sp>
@@ -1031,38 +1041,37 @@
           <a:p>
             <a:pPr lvl="0"/>
             <a:r>
-              <a:rPr lang="en-US" smtClean="0"/>
+              <a:rPr lang="en-US"/>
               <a:t>Click to edit Master text styles</a:t>
             </a:r>
           </a:p>
           <a:p>
             <a:pPr lvl="1"/>
             <a:r>
-              <a:rPr lang="en-US" smtClean="0"/>
+              <a:rPr lang="en-US"/>
               <a:t>Second level</a:t>
             </a:r>
           </a:p>
           <a:p>
             <a:pPr lvl="2"/>
             <a:r>
-              <a:rPr lang="en-US" smtClean="0"/>
+              <a:rPr lang="en-US"/>
               <a:t>Third level</a:t>
             </a:r>
           </a:p>
           <a:p>
             <a:pPr lvl="3"/>
             <a:r>
-              <a:rPr lang="en-US" smtClean="0"/>
+              <a:rPr lang="en-US"/>
               <a:t>Fourth level</a:t>
             </a:r>
           </a:p>
           <a:p>
             <a:pPr lvl="4"/>
             <a:r>
-              <a:rPr lang="en-US" smtClean="0"/>
+              <a:rPr lang="en-US"/>
               <a:t>Fifth level</a:t>
             </a:r>
-            <a:endParaRPr lang="en-US"/>
           </a:p>
         </p:txBody>
       </p:sp>
@@ -1083,7 +1092,7 @@
           <a:p>
             <a:fld id="{BB31085E-388F-BE40-B147-0BFB91CD71E7}" type="datetimeFigureOut">
               <a:rPr lang="en-US" smtClean="0"/>
-              <a:t>9/4/20</a:t>
+              <a:t>9/28/20</a:t>
             </a:fld>
             <a:endParaRPr lang="en-US"/>
           </a:p>
@@ -1177,10 +1186,9 @@
           <a:lstStyle/>
           <a:p>
             <a:r>
-              <a:rPr lang="en-US" smtClean="0"/>
+              <a:rPr lang="en-US"/>
               <a:t>Click to edit Master title style</a:t>
             </a:r>
-            <a:endParaRPr lang="en-US"/>
           </a:p>
         </p:txBody>
       </p:sp>
@@ -1201,38 +1209,37 @@
           <a:p>
             <a:pPr lvl="0"/>
             <a:r>
-              <a:rPr lang="en-US" smtClean="0"/>
+              <a:rPr lang="en-US"/>
               <a:t>Click to edit Master text styles</a:t>
             </a:r>
           </a:p>
           <a:p>
             <a:pPr lvl="1"/>
             <a:r>
-              <a:rPr lang="en-US" smtClean="0"/>
+              <a:rPr lang="en-US"/>
               <a:t>Second level</a:t>
             </a:r>
           </a:p>
           <a:p>
             <a:pPr lvl="2"/>
             <a:r>
-              <a:rPr lang="en-US" smtClean="0"/>
+              <a:rPr lang="en-US"/>
               <a:t>Third level</a:t>
             </a:r>
           </a:p>
           <a:p>
             <a:pPr lvl="3"/>
             <a:r>
-              <a:rPr lang="en-US" smtClean="0"/>
+              <a:rPr lang="en-US"/>
               <a:t>Fourth level</a:t>
             </a:r>
           </a:p>
           <a:p>
             <a:pPr lvl="4"/>
             <a:r>
-              <a:rPr lang="en-US" smtClean="0"/>
+              <a:rPr lang="en-US"/>
               <a:t>Fifth level</a:t>
             </a:r>
-            <a:endParaRPr lang="en-US"/>
           </a:p>
         </p:txBody>
       </p:sp>
@@ -1253,7 +1260,7 @@
           <a:p>
             <a:fld id="{BB31085E-388F-BE40-B147-0BFB91CD71E7}" type="datetimeFigureOut">
               <a:rPr lang="en-US" smtClean="0"/>
-              <a:t>9/4/20</a:t>
+              <a:t>9/28/20</a:t>
             </a:fld>
             <a:endParaRPr lang="en-US"/>
           </a:p>
@@ -1356,10 +1363,9 @@
           </a:lstStyle>
           <a:p>
             <a:r>
-              <a:rPr lang="en-US" smtClean="0"/>
+              <a:rPr lang="en-US"/>
               <a:t>Click to edit Master title style</a:t>
             </a:r>
-            <a:endParaRPr lang="en-US"/>
           </a:p>
         </p:txBody>
       </p:sp>
@@ -1476,7 +1482,7 @@
           <a:p>
             <a:pPr lvl="0"/>
             <a:r>
-              <a:rPr lang="en-US" smtClean="0"/>
+              <a:rPr lang="en-US"/>
               <a:t>Click to edit Master text styles</a:t>
             </a:r>
           </a:p>
@@ -1499,7 +1505,7 @@
           <a:p>
             <a:fld id="{BB31085E-388F-BE40-B147-0BFB91CD71E7}" type="datetimeFigureOut">
               <a:rPr lang="en-US" smtClean="0"/>
-              <a:t>9/4/20</a:t>
+              <a:t>9/28/20</a:t>
             </a:fld>
             <a:endParaRPr lang="en-US"/>
           </a:p>
@@ -1593,10 +1599,9 @@
           <a:lstStyle/>
           <a:p>
             <a:r>
-              <a:rPr lang="en-US" smtClean="0"/>
+              <a:rPr lang="en-US"/>
               <a:t>Click to edit Master title style</a:t>
             </a:r>
-            <a:endParaRPr lang="en-US"/>
           </a:p>
         </p:txBody>
       </p:sp>
@@ -1650,38 +1655,37 @@
           <a:p>
             <a:pPr lvl="0"/>
             <a:r>
-              <a:rPr lang="en-US" smtClean="0"/>
+              <a:rPr lang="en-US"/>
               <a:t>Click to edit Master text styles</a:t>
             </a:r>
           </a:p>
           <a:p>
             <a:pPr lvl="1"/>
             <a:r>
-              <a:rPr lang="en-US" smtClean="0"/>
+              <a:rPr lang="en-US"/>
               <a:t>Second level</a:t>
             </a:r>
           </a:p>
           <a:p>
             <a:pPr lvl="2"/>
             <a:r>
-              <a:rPr lang="en-US" smtClean="0"/>
+              <a:rPr lang="en-US"/>
               <a:t>Third level</a:t>
             </a:r>
           </a:p>
           <a:p>
             <a:pPr lvl="3"/>
             <a:r>
-              <a:rPr lang="en-US" smtClean="0"/>
+              <a:rPr lang="en-US"/>
               <a:t>Fourth level</a:t>
             </a:r>
           </a:p>
           <a:p>
             <a:pPr lvl="4"/>
             <a:r>
-              <a:rPr lang="en-US" smtClean="0"/>
+              <a:rPr lang="en-US"/>
               <a:t>Fifth level</a:t>
             </a:r>
-            <a:endParaRPr lang="en-US"/>
           </a:p>
         </p:txBody>
       </p:sp>
@@ -1735,38 +1739,37 @@
           <a:p>
             <a:pPr lvl="0"/>
             <a:r>
-              <a:rPr lang="en-US" smtClean="0"/>
+              <a:rPr lang="en-US"/>
               <a:t>Click to edit Master text styles</a:t>
             </a:r>
           </a:p>
           <a:p>
             <a:pPr lvl="1"/>
             <a:r>
-              <a:rPr lang="en-US" smtClean="0"/>
+              <a:rPr lang="en-US"/>
               <a:t>Second level</a:t>
             </a:r>
           </a:p>
           <a:p>
             <a:pPr lvl="2"/>
             <a:r>
-              <a:rPr lang="en-US" smtClean="0"/>
+              <a:rPr lang="en-US"/>
               <a:t>Third level</a:t>
             </a:r>
           </a:p>
           <a:p>
             <a:pPr lvl="3"/>
             <a:r>
-              <a:rPr lang="en-US" smtClean="0"/>
+              <a:rPr lang="en-US"/>
               <a:t>Fourth level</a:t>
             </a:r>
           </a:p>
           <a:p>
             <a:pPr lvl="4"/>
             <a:r>
-              <a:rPr lang="en-US" smtClean="0"/>
+              <a:rPr lang="en-US"/>
               <a:t>Fifth level</a:t>
             </a:r>
-            <a:endParaRPr lang="en-US"/>
           </a:p>
         </p:txBody>
       </p:sp>
@@ -1787,7 +1790,7 @@
           <a:p>
             <a:fld id="{BB31085E-388F-BE40-B147-0BFB91CD71E7}" type="datetimeFigureOut">
               <a:rPr lang="en-US" smtClean="0"/>
-              <a:t>9/4/20</a:t>
+              <a:t>9/28/20</a:t>
             </a:fld>
             <a:endParaRPr lang="en-US"/>
           </a:p>
@@ -1885,10 +1888,9 @@
           </a:lstStyle>
           <a:p>
             <a:r>
-              <a:rPr lang="en-US" smtClean="0"/>
+              <a:rPr lang="en-US"/>
               <a:t>Click to edit Master title style</a:t>
             </a:r>
-            <a:endParaRPr lang="en-US"/>
           </a:p>
         </p:txBody>
       </p:sp>
@@ -1951,7 +1953,7 @@
           <a:p>
             <a:pPr lvl="0"/>
             <a:r>
-              <a:rPr lang="en-US" smtClean="0"/>
+              <a:rPr lang="en-US"/>
               <a:t>Click to edit Master text styles</a:t>
             </a:r>
           </a:p>
@@ -2007,38 +2009,37 @@
           <a:p>
             <a:pPr lvl="0"/>
             <a:r>
-              <a:rPr lang="en-US" smtClean="0"/>
+              <a:rPr lang="en-US"/>
               <a:t>Click to edit Master text styles</a:t>
             </a:r>
           </a:p>
           <a:p>
             <a:pPr lvl="1"/>
             <a:r>
-              <a:rPr lang="en-US" smtClean="0"/>
+              <a:rPr lang="en-US"/>
               <a:t>Second level</a:t>
             </a:r>
           </a:p>
           <a:p>
             <a:pPr lvl="2"/>
             <a:r>
-              <a:rPr lang="en-US" smtClean="0"/>
+              <a:rPr lang="en-US"/>
               <a:t>Third level</a:t>
             </a:r>
           </a:p>
           <a:p>
             <a:pPr lvl="3"/>
             <a:r>
-              <a:rPr lang="en-US" smtClean="0"/>
+              <a:rPr lang="en-US"/>
               <a:t>Fourth level</a:t>
             </a:r>
           </a:p>
           <a:p>
             <a:pPr lvl="4"/>
             <a:r>
-              <a:rPr lang="en-US" smtClean="0"/>
+              <a:rPr lang="en-US"/>
               <a:t>Fifth level</a:t>
             </a:r>
-            <a:endParaRPr lang="en-US"/>
           </a:p>
         </p:txBody>
       </p:sp>
@@ -2101,7 +2102,7 @@
           <a:p>
             <a:pPr lvl="0"/>
             <a:r>
-              <a:rPr lang="en-US" smtClean="0"/>
+              <a:rPr lang="en-US"/>
               <a:t>Click to edit Master text styles</a:t>
             </a:r>
           </a:p>
@@ -2157,38 +2158,37 @@
           <a:p>
             <a:pPr lvl="0"/>
             <a:r>
-              <a:rPr lang="en-US" smtClean="0"/>
+              <a:rPr lang="en-US"/>
               <a:t>Click to edit Master text styles</a:t>
             </a:r>
           </a:p>
           <a:p>
             <a:pPr lvl="1"/>
             <a:r>
-              <a:rPr lang="en-US" smtClean="0"/>
+              <a:rPr lang="en-US"/>
               <a:t>Second level</a:t>
             </a:r>
           </a:p>
           <a:p>
             <a:pPr lvl="2"/>
             <a:r>
-              <a:rPr lang="en-US" smtClean="0"/>
+              <a:rPr lang="en-US"/>
               <a:t>Third level</a:t>
             </a:r>
           </a:p>
           <a:p>
             <a:pPr lvl="3"/>
             <a:r>
-              <a:rPr lang="en-US" smtClean="0"/>
+              <a:rPr lang="en-US"/>
               <a:t>Fourth level</a:t>
             </a:r>
           </a:p>
           <a:p>
             <a:pPr lvl="4"/>
             <a:r>
-              <a:rPr lang="en-US" smtClean="0"/>
+              <a:rPr lang="en-US"/>
               <a:t>Fifth level</a:t>
             </a:r>
-            <a:endParaRPr lang="en-US"/>
           </a:p>
         </p:txBody>
       </p:sp>
@@ -2209,7 +2209,7 @@
           <a:p>
             <a:fld id="{BB31085E-388F-BE40-B147-0BFB91CD71E7}" type="datetimeFigureOut">
               <a:rPr lang="en-US" smtClean="0"/>
-              <a:t>9/4/20</a:t>
+              <a:t>9/28/20</a:t>
             </a:fld>
             <a:endParaRPr lang="en-US"/>
           </a:p>
@@ -2303,10 +2303,9 @@
           <a:lstStyle/>
           <a:p>
             <a:r>
-              <a:rPr lang="en-US" smtClean="0"/>
+              <a:rPr lang="en-US"/>
               <a:t>Click to edit Master title style</a:t>
             </a:r>
-            <a:endParaRPr lang="en-US"/>
           </a:p>
         </p:txBody>
       </p:sp>
@@ -2327,7 +2326,7 @@
           <a:p>
             <a:fld id="{BB31085E-388F-BE40-B147-0BFB91CD71E7}" type="datetimeFigureOut">
               <a:rPr lang="en-US" smtClean="0"/>
-              <a:t>9/4/20</a:t>
+              <a:t>9/28/20</a:t>
             </a:fld>
             <a:endParaRPr lang="en-US"/>
           </a:p>
@@ -2422,7 +2421,7 @@
           <a:p>
             <a:fld id="{BB31085E-388F-BE40-B147-0BFB91CD71E7}" type="datetimeFigureOut">
               <a:rPr lang="en-US" smtClean="0"/>
-              <a:t>9/4/20</a:t>
+              <a:t>9/28/20</a:t>
             </a:fld>
             <a:endParaRPr lang="en-US"/>
           </a:p>
@@ -2525,10 +2524,9 @@
           </a:lstStyle>
           <a:p>
             <a:r>
-              <a:rPr lang="en-US" smtClean="0"/>
+              <a:rPr lang="en-US"/>
               <a:t>Click to edit Master title style</a:t>
             </a:r>
-            <a:endParaRPr lang="en-US"/>
           </a:p>
         </p:txBody>
       </p:sp>
@@ -2582,38 +2580,37 @@
           <a:p>
             <a:pPr lvl="0"/>
             <a:r>
-              <a:rPr lang="en-US" smtClean="0"/>
+              <a:rPr lang="en-US"/>
               <a:t>Click to edit Master text styles</a:t>
             </a:r>
           </a:p>
           <a:p>
             <a:pPr lvl="1"/>
             <a:r>
-              <a:rPr lang="en-US" smtClean="0"/>
+              <a:rPr lang="en-US"/>
               <a:t>Second level</a:t>
             </a:r>
           </a:p>
           <a:p>
             <a:pPr lvl="2"/>
             <a:r>
-              <a:rPr lang="en-US" smtClean="0"/>
+              <a:rPr lang="en-US"/>
               <a:t>Third level</a:t>
             </a:r>
           </a:p>
           <a:p>
             <a:pPr lvl="3"/>
             <a:r>
-              <a:rPr lang="en-US" smtClean="0"/>
+              <a:rPr lang="en-US"/>
               <a:t>Fourth level</a:t>
             </a:r>
           </a:p>
           <a:p>
             <a:pPr lvl="4"/>
             <a:r>
-              <a:rPr lang="en-US" smtClean="0"/>
+              <a:rPr lang="en-US"/>
               <a:t>Fifth level</a:t>
             </a:r>
-            <a:endParaRPr lang="en-US"/>
           </a:p>
         </p:txBody>
       </p:sp>
@@ -2676,7 +2673,7 @@
           <a:p>
             <a:pPr lvl="0"/>
             <a:r>
-              <a:rPr lang="en-US" smtClean="0"/>
+              <a:rPr lang="en-US"/>
               <a:t>Click to edit Master text styles</a:t>
             </a:r>
           </a:p>
@@ -2699,7 +2696,7 @@
           <a:p>
             <a:fld id="{BB31085E-388F-BE40-B147-0BFB91CD71E7}" type="datetimeFigureOut">
               <a:rPr lang="en-US" smtClean="0"/>
-              <a:t>9/4/20</a:t>
+              <a:t>9/28/20</a:t>
             </a:fld>
             <a:endParaRPr lang="en-US"/>
           </a:p>
@@ -2802,10 +2799,9 @@
           </a:lstStyle>
           <a:p>
             <a:r>
-              <a:rPr lang="en-US" smtClean="0"/>
+              <a:rPr lang="en-US"/>
               <a:t>Click to edit Master title style</a:t>
             </a:r>
-            <a:endParaRPr lang="en-US"/>
           </a:p>
         </p:txBody>
       </p:sp>
@@ -2929,7 +2925,7 @@
           <a:p>
             <a:pPr lvl="0"/>
             <a:r>
-              <a:rPr lang="en-US" smtClean="0"/>
+              <a:rPr lang="en-US"/>
               <a:t>Click to edit Master text styles</a:t>
             </a:r>
           </a:p>
@@ -2952,7 +2948,7 @@
           <a:p>
             <a:fld id="{BB31085E-388F-BE40-B147-0BFB91CD71E7}" type="datetimeFigureOut">
               <a:rPr lang="en-US" smtClean="0"/>
-              <a:t>9/4/20</a:t>
+              <a:t>9/28/20</a:t>
             </a:fld>
             <a:endParaRPr lang="en-US"/>
           </a:p>
@@ -3061,10 +3057,9 @@
           <a:lstStyle/>
           <a:p>
             <a:r>
-              <a:rPr lang="en-US" smtClean="0"/>
+              <a:rPr lang="en-US"/>
               <a:t>Click to edit Master title style</a:t>
             </a:r>
-            <a:endParaRPr lang="en-US"/>
           </a:p>
         </p:txBody>
       </p:sp>
@@ -3095,38 +3090,37 @@
           <a:p>
             <a:pPr lvl="0"/>
             <a:r>
-              <a:rPr lang="en-US" smtClean="0"/>
+              <a:rPr lang="en-US"/>
               <a:t>Click to edit Master text styles</a:t>
             </a:r>
           </a:p>
           <a:p>
             <a:pPr lvl="1"/>
             <a:r>
-              <a:rPr lang="en-US" smtClean="0"/>
+              <a:rPr lang="en-US"/>
               <a:t>Second level</a:t>
             </a:r>
           </a:p>
           <a:p>
             <a:pPr lvl="2"/>
             <a:r>
-              <a:rPr lang="en-US" smtClean="0"/>
+              <a:rPr lang="en-US"/>
               <a:t>Third level</a:t>
             </a:r>
           </a:p>
           <a:p>
             <a:pPr lvl="3"/>
             <a:r>
-              <a:rPr lang="en-US" smtClean="0"/>
+              <a:rPr lang="en-US"/>
               <a:t>Fourth level</a:t>
             </a:r>
           </a:p>
           <a:p>
             <a:pPr lvl="4"/>
             <a:r>
-              <a:rPr lang="en-US" smtClean="0"/>
+              <a:rPr lang="en-US"/>
               <a:t>Fifth level</a:t>
             </a:r>
-            <a:endParaRPr lang="en-US"/>
           </a:p>
         </p:txBody>
       </p:sp>
@@ -3165,7 +3159,7 @@
           <a:p>
             <a:fld id="{BB31085E-388F-BE40-B147-0BFB91CD71E7}" type="datetimeFigureOut">
               <a:rPr lang="en-US" smtClean="0"/>
-              <a:t>9/4/20</a:t>
+              <a:t>9/28/20</a:t>
             </a:fld>
             <a:endParaRPr lang="en-US"/>
           </a:p>
@@ -3556,17 +3550,15 @@
           <a:lstStyle/>
           <a:p>
             <a:r>
-              <a:rPr lang="en-US" dirty="0" smtClean="0"/>
+              <a:rPr lang="en-US" dirty="0"/>
               <a:t>We’ll now start the main task.</a:t>
             </a:r>
-            <a:endParaRPr lang="en-US" dirty="0" smtClean="0"/>
-          </a:p>
-          <a:p>
-            <a:r>
-              <a:rPr lang="en-US" dirty="0" smtClean="0"/>
+          </a:p>
+          <a:p>
+            <a:r>
+              <a:rPr lang="en-US" dirty="0"/>
               <a:t>Please read the instructions carefully. You will need to pass a quiz on them before you begin the task.</a:t>
             </a:r>
-            <a:endParaRPr lang="en-US" dirty="0"/>
           </a:p>
         </p:txBody>
       </p:sp>
@@ -3623,73 +3615,32 @@
           <a:lstStyle/>
           <a:p>
             <a:r>
-              <a:rPr lang="en-US" sz="2000" dirty="0" smtClean="0"/>
-              <a:t>In </a:t>
-            </a:r>
-            <a:r>
               <a:rPr lang="en-US" sz="2000" dirty="0"/>
-              <a:t>this task, you will play a space-mineral trader</a:t>
-            </a:r>
-            <a:r>
-              <a:rPr lang="en-US" sz="2000" dirty="0" smtClean="0"/>
-              <a:t>.</a:t>
-            </a:r>
-          </a:p>
-          <a:p>
-            <a:r>
-              <a:rPr lang="en-US" sz="2000" dirty="0" smtClean="0"/>
-              <a:t>The </a:t>
-            </a:r>
+              <a:t>In this task, you will play a space-mineral trader.</a:t>
+            </a:r>
+          </a:p>
+          <a:p>
             <a:r>
               <a:rPr lang="en-US" sz="2000" dirty="0"/>
-              <a:t>spaceship that you are on contains three </a:t>
-            </a:r>
-            <a:r>
-              <a:rPr lang="en-US" sz="2000" dirty="0" smtClean="0"/>
-              <a:t>doors (represented by fractal images, top right). Each door leads to </a:t>
-            </a:r>
+              <a:t>The spaceship that you are on contains three doors (represented by fractal images, top right). Each door leads to a different part of space. </a:t>
+            </a:r>
+          </a:p>
+          <a:p>
             <a:r>
               <a:rPr lang="en-US" sz="2000" dirty="0"/>
-              <a:t>a different part of </a:t>
-            </a:r>
-            <a:r>
-              <a:rPr lang="en-US" sz="2000" dirty="0" smtClean="0"/>
-              <a:t>space. </a:t>
-            </a:r>
-          </a:p>
-          <a:p>
-            <a:r>
-              <a:rPr lang="en-US" sz="2000" dirty="0" smtClean="0"/>
-              <a:t>When </a:t>
-            </a:r>
+              <a:t>When you activate a door, you will encounter aliens (represented by solid-color circles, bottom right). </a:t>
+            </a:r>
+          </a:p>
+          <a:p>
             <a:r>
               <a:rPr lang="en-US" sz="2000" dirty="0"/>
-              <a:t>you activate a door, you will encounter </a:t>
-            </a:r>
-            <a:r>
-              <a:rPr lang="en-US" sz="2000" dirty="0" smtClean="0"/>
-              <a:t>aliens (represented by solid-color circles, bottom right). </a:t>
-            </a:r>
-          </a:p>
-          <a:p>
-            <a:r>
-              <a:rPr lang="en-US" sz="2000" dirty="0" smtClean="0"/>
-              <a:t>Some </a:t>
-            </a:r>
+              <a:t>Some aliens will provide you with valuable space minerals. Other aliens will take space minerals away from you. </a:t>
+            </a:r>
+          </a:p>
+          <a:p>
             <a:r>
               <a:rPr lang="en-US" sz="2000" dirty="0"/>
-              <a:t>aliens will provide you with valuable space minerals. Other aliens will take space minerals away from you. </a:t>
-            </a:r>
-            <a:endParaRPr lang="en-US" sz="2000" dirty="0" smtClean="0"/>
-          </a:p>
-          <a:p>
-            <a:r>
-              <a:rPr lang="en-US" sz="2000" dirty="0" smtClean="0"/>
-              <a:t>Your </a:t>
-            </a:r>
-            <a:r>
-              <a:rPr lang="en-US" sz="2000" dirty="0"/>
-              <a:t>goal is to collect as many valuable space minerals as you can by </a:t>
+              <a:t>Your goal is to collect as many valuable space minerals as you can by </a:t>
             </a:r>
             <a:r>
               <a:rPr lang="en-US" sz="2000" i="1" dirty="0"/>
@@ -3825,10 +3776,9 @@
           <a:lstStyle/>
           <a:p>
             <a:r>
-              <a:rPr lang="en-US" b="1" dirty="0" smtClean="0"/>
+              <a:rPr lang="en-US" b="1" dirty="0"/>
               <a:t>Space ship doors</a:t>
             </a:r>
-            <a:endParaRPr lang="en-US" b="1" dirty="0"/>
           </a:p>
         </p:txBody>
       </p:sp>
@@ -3854,10 +3804,9 @@
           <a:lstStyle/>
           <a:p>
             <a:r>
-              <a:rPr lang="en-US" b="1" dirty="0" smtClean="0"/>
+              <a:rPr lang="en-US" b="1" dirty="0"/>
               <a:t>Aliens</a:t>
             </a:r>
-            <a:endParaRPr lang="en-US" b="1" dirty="0"/>
           </a:p>
         </p:txBody>
       </p:sp>
@@ -4010,10 +3959,9 @@
           <a:lstStyle/>
           <a:p>
             <a:r>
-              <a:rPr lang="en-US" dirty="0" smtClean="0"/>
+              <a:rPr lang="en-US" dirty="0"/>
               <a:t>Each of these fractals is door you can choose to activate</a:t>
             </a:r>
-            <a:endParaRPr lang="en-US" dirty="0"/>
           </a:p>
         </p:txBody>
       </p:sp>
@@ -4039,10 +3987,9 @@
           <a:lstStyle/>
           <a:p>
             <a:r>
-              <a:rPr lang="en-US" dirty="0" smtClean="0"/>
+              <a:rPr lang="en-US" dirty="0"/>
               <a:t>Each of these circles is an alien that can either provide or take away minerals.</a:t>
             </a:r>
-            <a:endParaRPr lang="en-US" dirty="0"/>
           </a:p>
         </p:txBody>
       </p:sp>
@@ -4100,52 +4047,24 @@
           <a:p>
             <a:r>
               <a:rPr lang="en-US" sz="2200" dirty="0"/>
-              <a:t>There are three types of aliens: </a:t>
-            </a:r>
-            <a:r>
-              <a:rPr lang="en-US" sz="2200" dirty="0" smtClean="0"/>
-              <a:t>black, </a:t>
-            </a:r>
+              <a:t>There are three types of aliens: black, silver and gold aliens. </a:t>
+            </a:r>
+          </a:p>
+          <a:p>
             <a:r>
               <a:rPr lang="en-US" sz="2200" dirty="0"/>
-              <a:t>silver and gold </a:t>
-            </a:r>
-            <a:r>
-              <a:rPr lang="en-US" sz="2200" dirty="0" smtClean="0"/>
-              <a:t>aliens. </a:t>
-            </a:r>
-          </a:p>
-          <a:p>
-            <a:r>
-              <a:rPr lang="en-US" sz="2200" dirty="0" smtClean="0"/>
-              <a:t>When </a:t>
-            </a:r>
+              <a:t>When you open a space door, there will be a certain chance that you encounter these aliens. Specifically, each time you need to decide which door to open, each door will have a certain chance of leading to each type of alien (example on right).</a:t>
+            </a:r>
+          </a:p>
+          <a:p>
             <a:r>
               <a:rPr lang="en-US" sz="2200" dirty="0"/>
-              <a:t>you open a space door, there will be a certain chance that you encounter these </a:t>
-            </a:r>
-            <a:r>
-              <a:rPr lang="en-US" sz="2200" dirty="0" smtClean="0"/>
-              <a:t>aliens. </a:t>
-            </a:r>
+              <a:t>On the next screen, you can practice playing the door shown on the right (by pressing k) and observing which aliens it tends to lead to.</a:t>
+            </a:r>
+          </a:p>
+          <a:p>
             <a:r>
               <a:rPr lang="en-US" sz="2200" dirty="0"/>
-              <a:t>Specifically, each time you need to decide which door to open, each door will have a certain chance of leading to each type of </a:t>
-            </a:r>
-            <a:r>
-              <a:rPr lang="en-US" sz="2200" dirty="0" smtClean="0"/>
-              <a:t>alien (example on right).</a:t>
-            </a:r>
-          </a:p>
-          <a:p>
-            <a:r>
-              <a:rPr lang="en-US" sz="2200" dirty="0" smtClean="0"/>
-              <a:t>On the next screen, you can practice playing the door shown on the right (by pressing k) and observing which aliens it tends to lead to.</a:t>
-            </a:r>
-          </a:p>
-          <a:p>
-            <a:r>
-              <a:rPr lang="en-US" sz="2200" dirty="0" smtClean="0"/>
               <a:t>Try to track which aliens it tends to lead to. Note that this door will just be used in this example and won’t be used in the actual task.</a:t>
             </a:r>
           </a:p>
@@ -4403,10 +4322,9 @@
           <a:lstStyle/>
           <a:p>
             <a:r>
-              <a:rPr lang="en-US" dirty="0" smtClean="0"/>
+              <a:rPr lang="en-US" dirty="0"/>
               <a:t>25%</a:t>
             </a:r>
-            <a:endParaRPr lang="en-US" dirty="0"/>
           </a:p>
         </p:txBody>
       </p:sp>
@@ -4433,10 +4351,9 @@
           <a:lstStyle/>
           <a:p>
             <a:r>
-              <a:rPr lang="en-US" dirty="0" smtClean="0"/>
+              <a:rPr lang="en-US" dirty="0"/>
               <a:t>70%</a:t>
             </a:r>
-            <a:endParaRPr lang="en-US" dirty="0"/>
           </a:p>
         </p:txBody>
       </p:sp>
@@ -4463,10 +4380,9 @@
           <a:lstStyle/>
           <a:p>
             <a:r>
-              <a:rPr lang="en-US" dirty="0" smtClean="0"/>
+              <a:rPr lang="en-US" dirty="0"/>
               <a:t>50%</a:t>
             </a:r>
-            <a:endParaRPr lang="en-US" dirty="0"/>
           </a:p>
         </p:txBody>
       </p:sp>
@@ -4522,7 +4438,7 @@
           <a:lstStyle/>
           <a:p>
             <a:r>
-              <a:rPr lang="en-US" dirty="0" smtClean="0"/>
+              <a:rPr lang="en-US" dirty="0"/>
               <a:t>This example door has a 25% chance of leading to the black alien, a 70% chance of leading to the silver alien and a 50% chance of leading to the gold alien.</a:t>
             </a:r>
           </a:p>
@@ -4593,14 +4509,14 @@
           <a:lstStyle/>
           <a:p>
             <a:r>
-              <a:rPr lang="en-US" dirty="0" smtClean="0"/>
+              <a:rPr lang="en-US" dirty="0"/>
               <a:t>Practice playing a single alien</a:t>
             </a:r>
             <a:r>
-              <a:rPr lang="mr-IN" dirty="0" smtClean="0"/>
+              <a:rPr lang="mr-IN" dirty="0"/>
               <a:t>…</a:t>
             </a:r>
-            <a:endParaRPr lang="en-US" dirty="0" smtClean="0"/>
+            <a:endParaRPr lang="en-US" dirty="0"/>
           </a:p>
         </p:txBody>
       </p:sp>
@@ -4657,32 +4573,15 @@
           <a:lstStyle/>
           <a:p>
             <a:r>
-              <a:rPr lang="en-US" dirty="0" smtClean="0"/>
-              <a:t>Over </a:t>
-            </a:r>
-            <a:r>
               <a:rPr lang="en-US" dirty="0"/>
-              <a:t>the course of the task, the chances that you’ll encounter a certain type of alien after opening a certain door will change </a:t>
-            </a:r>
-            <a:r>
-              <a:rPr lang="en-US" dirty="0" smtClean="0"/>
-              <a:t>slowly.</a:t>
-            </a:r>
-          </a:p>
-          <a:p>
-            <a:r>
-              <a:rPr lang="en-US" dirty="0" smtClean="0"/>
-              <a:t>You </a:t>
-            </a:r>
+              <a:t>Over the course of the task, the chances that you’ll encounter a certain type of alien after opening a certain door will change slowly.</a:t>
+            </a:r>
+          </a:p>
+          <a:p>
             <a:r>
               <a:rPr lang="en-US" dirty="0"/>
-              <a:t>will gain the greatest number of space minerals by tracking the chances that each door leads to encountering each type of alien</a:t>
-            </a:r>
-            <a:r>
-              <a:rPr lang="en-US" dirty="0" smtClean="0"/>
-              <a:t>.</a:t>
-            </a:r>
-            <a:endParaRPr lang="en-US" dirty="0"/>
+              <a:t>You will gain the greatest number of space minerals by tracking the chances that each door leads to encountering each type of alien.</a:t>
+            </a:r>
           </a:p>
         </p:txBody>
       </p:sp>
@@ -4935,10 +4834,9 @@
           <a:lstStyle/>
           <a:p>
             <a:r>
-              <a:rPr lang="en-US" dirty="0" smtClean="0"/>
+              <a:rPr lang="en-US" dirty="0"/>
               <a:t>These chances will slowly drift.</a:t>
             </a:r>
-            <a:endParaRPr lang="en-US" dirty="0"/>
           </a:p>
         </p:txBody>
       </p:sp>
@@ -5024,35 +4922,29 @@
           </a:bodyPr>
           <a:lstStyle/>
           <a:p>
-            <a:endParaRPr lang="en-US" sz="2000" dirty="0" smtClean="0"/>
+            <a:endParaRPr lang="en-US" sz="2000" dirty="0"/>
           </a:p>
           <a:p>
             <a:r>
               <a:rPr lang="en-US" sz="2000" dirty="0"/>
               <a:t>Prior to every decision, you will be shown the number of minerals each alien would provide or take away if it were to be encountered. </a:t>
             </a:r>
-            <a:endParaRPr lang="en-US" sz="2000" dirty="0" smtClean="0"/>
           </a:p>
           <a:p>
             <a:r>
               <a:rPr lang="en-US" sz="2000" dirty="0"/>
               <a:t>Specifically, you will be shown 3 numbers. The black, silver, and gold numbers will respectively indicate the number of minerals that the black, silver and gold aliens will provide, if encountered on that decision. </a:t>
             </a:r>
-            <a:endParaRPr lang="en-US" sz="2000" dirty="0" smtClean="0"/>
           </a:p>
           <a:p>
             <a:r>
               <a:rPr lang="en-US" sz="2000" dirty="0"/>
-              <a:t>Positive numbers indicate the number of minerals that alien would give you. Negative numbers indicate the number of minerals that alien would take away from you</a:t>
-            </a:r>
-            <a:r>
-              <a:rPr lang="en-US" sz="2000" dirty="0" smtClean="0"/>
-              <a:t>.</a:t>
-            </a:r>
-          </a:p>
-          <a:p>
-            <a:r>
-              <a:rPr lang="en-US" sz="2000" dirty="0" smtClean="0"/>
+              <a:t>Positive numbers indicate the number of minerals that alien would give you. Negative numbers indicate the number of minerals that alien would take away from you.</a:t>
+            </a:r>
+          </a:p>
+          <a:p>
+            <a:r>
+              <a:rPr lang="en-US" sz="2000" dirty="0"/>
               <a:t>Whether a given alien provides minerals, takes away minerals, or does nothing, might change between decisions.</a:t>
             </a:r>
           </a:p>
@@ -5204,7 +5096,7 @@
         <p:spPr>
           <a:xfrm>
             <a:off x="6885635" y="1468606"/>
-            <a:ext cx="434885" cy="1200328"/>
+            <a:ext cx="434734" cy="1200329"/>
           </a:xfrm>
           <a:prstGeom prst="rect">
             <a:avLst/>
@@ -5217,13 +5109,13 @@
           <a:lstStyle/>
           <a:p>
             <a:r>
-              <a:rPr lang="en-US" sz="2400" dirty="0" smtClean="0"/>
-              <a:t> 3</a:t>
-            </a:r>
-          </a:p>
-          <a:p>
-            <a:r>
-              <a:rPr lang="en-US" sz="2400" dirty="0" smtClean="0">
+              <a:rPr lang="en-US" sz="2400" dirty="0"/>
+              <a:t> 1</a:t>
+            </a:r>
+          </a:p>
+          <a:p>
+            <a:r>
+              <a:rPr lang="en-US" sz="2400" dirty="0">
                 <a:solidFill>
                   <a:srgbClr val="AAAAAA"/>
                 </a:solidFill>
@@ -5233,18 +5125,13 @@
           </a:p>
           <a:p>
             <a:r>
-              <a:rPr lang="en-US" sz="2400" dirty="0" smtClean="0">
+              <a:rPr lang="en-US" sz="2400" dirty="0">
                 <a:solidFill>
                   <a:srgbClr val="FFD208"/>
                 </a:solidFill>
               </a:rPr>
-              <a:t>-3</a:t>
-            </a:r>
-            <a:endParaRPr lang="en-US" sz="2400" dirty="0">
-              <a:solidFill>
-                <a:srgbClr val="FFD208"/>
-              </a:solidFill>
-            </a:endParaRPr>
+              <a:t>-1</a:t>
+            </a:r>
           </a:p>
         </p:txBody>
       </p:sp>
@@ -5270,8 +5157,28 @@
           <a:lstStyle/>
           <a:p>
             <a:r>
-              <a:rPr lang="en-US" sz="1600" dirty="0" smtClean="0"/>
-              <a:t>On this example decision (between the 3 doors), encountering the black alien would provide 3 minerals, encountering  the silver alien would provide no minerals, and encountering  gold alien would take away 3 minerals.</a:t>
+              <a:rPr lang="en-US" sz="1600" dirty="0"/>
+              <a:t>On this example decision (between </a:t>
+            </a:r>
+            <a:r>
+              <a:rPr lang="en-US" sz="1600"/>
+              <a:t>the 1 </a:t>
+            </a:r>
+            <a:r>
+              <a:rPr lang="en-US" sz="1600" dirty="0"/>
+              <a:t>doors), encountering the black alien would </a:t>
+            </a:r>
+            <a:r>
+              <a:rPr lang="en-US" sz="1600"/>
+              <a:t>provide 1 mineral, </a:t>
+            </a:r>
+            <a:r>
+              <a:rPr lang="en-US" sz="1600" dirty="0"/>
+              <a:t>encountering  the silver alien would provide no minerals, and encountering  gold alien would take </a:t>
+            </a:r>
+            <a:r>
+              <a:rPr lang="en-US" sz="1600"/>
+              <a:t>away 1 mineral.</a:t>
             </a:r>
             <a:endParaRPr lang="en-US" sz="1600" dirty="0"/>
           </a:p>
@@ -5287,13 +5194,6 @@
   <p:clrMapOvr>
     <a:masterClrMapping/>
   </p:clrMapOvr>
-  <p:timing>
-    <p:tnLst>
-      <p:par>
-        <p:cTn xmlns:p14="http://schemas.microsoft.com/office/powerpoint/2010/main" id="1" dur="indefinite" restart="never" nodeType="tmRoot"/>
-      </p:par>
-    </p:tnLst>
-  </p:timing>
 </p:sld>
 </file>
 
@@ -5338,30 +5238,13 @@
           <a:p>
             <a:r>
               <a:rPr lang="en-US" sz="2400" dirty="0"/>
-              <a:t>After you choose a </a:t>
-            </a:r>
-            <a:r>
-              <a:rPr lang="en-US" sz="2400" dirty="0" smtClean="0"/>
-              <a:t>door, </a:t>
-            </a:r>
+              <a:t>After you choose a door, you will be shown which aliens are behind it. </a:t>
+            </a:r>
+          </a:p>
+          <a:p>
             <a:r>
               <a:rPr lang="en-US" sz="2400" dirty="0"/>
-              <a:t>you will be shown which aliens are behind it. </a:t>
-            </a:r>
-            <a:endParaRPr lang="en-US" sz="2400" dirty="0" smtClean="0"/>
-          </a:p>
-          <a:p>
-            <a:r>
-              <a:rPr lang="en-US" sz="2400" dirty="0" smtClean="0"/>
-              <a:t>Then</a:t>
-            </a:r>
-            <a:r>
-              <a:rPr lang="en-US" sz="2400" dirty="0"/>
-              <a:t>, you will be shown the number of minerals each of those aliens provided as well as the total number of minerals you gained or lost</a:t>
-            </a:r>
-            <a:r>
-              <a:rPr lang="en-US" sz="2400" dirty="0" smtClean="0"/>
-              <a:t>.</a:t>
+              <a:t>Then, you will be shown the number of minerals each of those aliens provided as well as the total number of minerals you gained or lost.</a:t>
             </a:r>
           </a:p>
         </p:txBody>
@@ -5530,18 +5413,13 @@
           <a:lstStyle/>
           <a:p>
             <a:r>
-              <a:rPr lang="en-US" dirty="0" smtClean="0">
+              <a:rPr lang="en-US" dirty="0">
                 <a:solidFill>
                   <a:schemeClr val="bg1"/>
                 </a:solidFill>
               </a:rPr>
               <a:t>3</a:t>
             </a:r>
-            <a:endParaRPr lang="en-US" dirty="0">
-              <a:solidFill>
-                <a:schemeClr val="bg1"/>
-              </a:solidFill>
-            </a:endParaRPr>
           </a:p>
         </p:txBody>
       </p:sp>
@@ -5567,18 +5445,13 @@
           <a:lstStyle/>
           <a:p>
             <a:r>
-              <a:rPr lang="en-US" dirty="0" smtClean="0">
+              <a:rPr lang="en-US" dirty="0">
                 <a:solidFill>
                   <a:schemeClr val="bg1"/>
                 </a:solidFill>
               </a:rPr>
               <a:t>-3</a:t>
             </a:r>
-            <a:endParaRPr lang="en-US" dirty="0">
-              <a:solidFill>
-                <a:schemeClr val="bg1"/>
-              </a:solidFill>
-            </a:endParaRPr>
           </a:p>
         </p:txBody>
       </p:sp>
@@ -5604,18 +5477,13 @@
           <a:lstStyle/>
           <a:p>
             <a:r>
-              <a:rPr lang="en-US" dirty="0" smtClean="0">
+              <a:rPr lang="en-US" dirty="0">
                 <a:solidFill>
                   <a:schemeClr val="bg1"/>
                 </a:solidFill>
               </a:rPr>
               <a:t>Total: 0</a:t>
             </a:r>
-            <a:endParaRPr lang="en-US" dirty="0">
-              <a:solidFill>
-                <a:schemeClr val="bg1"/>
-              </a:solidFill>
-            </a:endParaRPr>
           </a:p>
         </p:txBody>
       </p:sp>
@@ -5753,10 +5621,9 @@
           <a:lstStyle/>
           <a:p>
             <a:r>
-              <a:rPr lang="en-US" sz="1600" dirty="0" smtClean="0"/>
+              <a:rPr lang="en-US" sz="1600" dirty="0"/>
               <a:t>On this example decision, the right door was activated. The black and gold aliens were encountered. The black alien provided 3 minerals and the gold alien took away 3 minerals. In total, no minerals were collected (bottom right).</a:t>
             </a:r>
-            <a:endParaRPr lang="en-US" sz="1600" dirty="0"/>
           </a:p>
         </p:txBody>
       </p:sp>
@@ -5770,13 +5637,6 @@
   <p:clrMapOvr>
     <a:masterClrMapping/>
   </p:clrMapOvr>
-  <p:timing>
-    <p:tnLst>
-      <p:par>
-        <p:cTn xmlns:p14="http://schemas.microsoft.com/office/powerpoint/2010/main" id="1" dur="indefinite" restart="never" nodeType="tmRoot"/>
-      </p:par>
-    </p:tnLst>
-  </p:timing>
 </p:sld>
 </file>
 
@@ -5831,28 +5691,19 @@
               <a:rPr lang="en-US" sz="2400" dirty="0"/>
               <a:t>choose. </a:t>
             </a:r>
-            <a:endParaRPr lang="en-US" sz="2400" dirty="0" smtClean="0"/>
-          </a:p>
-          <a:p>
-            <a:r>
-              <a:rPr lang="en-US" sz="2400" dirty="0" smtClean="0"/>
-              <a:t>This </a:t>
-            </a:r>
+          </a:p>
+          <a:p>
             <a:r>
               <a:rPr lang="en-US" sz="2400" dirty="0"/>
-              <a:t>information will not affect how many minerals you collect, but will provide an opportunity to observe which aliens were behind doors you did not choose to help you track where the aliens currently reside</a:t>
-            </a:r>
-            <a:r>
-              <a:rPr lang="en-US" sz="2400" dirty="0" smtClean="0"/>
-              <a:t>.</a:t>
-            </a:r>
-          </a:p>
-          <a:p>
-            <a:r>
-              <a:rPr lang="en-US" sz="2400" dirty="0" smtClean="0"/>
+              <a:t>This information will not affect how many minerals you collect, but will provide an opportunity to observe which aliens were behind doors you did not choose to help you track where the aliens currently reside.</a:t>
+            </a:r>
+          </a:p>
+          <a:p>
+            <a:r>
+              <a:rPr lang="en-US" sz="2400" dirty="0"/>
               <a:t>You can now practice a few full decisions. Try to earn the greatest number of minerals.</a:t>
             </a:r>
-            <a:endParaRPr lang="en-US" sz="2200" dirty="0" smtClean="0"/>
+            <a:endParaRPr lang="en-US" sz="2200" dirty="0"/>
           </a:p>
         </p:txBody>
       </p:sp>
@@ -6020,18 +5871,13 @@
           <a:lstStyle/>
           <a:p>
             <a:r>
-              <a:rPr lang="en-US" dirty="0" smtClean="0">
+              <a:rPr lang="en-US" dirty="0">
                 <a:solidFill>
                   <a:schemeClr val="bg1"/>
                 </a:solidFill>
               </a:rPr>
               <a:t>3</a:t>
             </a:r>
-            <a:endParaRPr lang="en-US" dirty="0">
-              <a:solidFill>
-                <a:schemeClr val="bg1"/>
-              </a:solidFill>
-            </a:endParaRPr>
           </a:p>
         </p:txBody>
       </p:sp>
@@ -6057,18 +5903,13 @@
           <a:lstStyle/>
           <a:p>
             <a:r>
-              <a:rPr lang="en-US" dirty="0" smtClean="0">
+              <a:rPr lang="en-US" dirty="0">
                 <a:solidFill>
                   <a:schemeClr val="bg1"/>
                 </a:solidFill>
               </a:rPr>
               <a:t>-3</a:t>
             </a:r>
-            <a:endParaRPr lang="en-US" dirty="0">
-              <a:solidFill>
-                <a:schemeClr val="bg1"/>
-              </a:solidFill>
-            </a:endParaRPr>
           </a:p>
         </p:txBody>
       </p:sp>
@@ -6094,18 +5935,13 @@
           <a:lstStyle/>
           <a:p>
             <a:r>
-              <a:rPr lang="en-US" dirty="0" smtClean="0">
+              <a:rPr lang="en-US" dirty="0">
                 <a:solidFill>
                   <a:schemeClr val="bg1"/>
                 </a:solidFill>
               </a:rPr>
               <a:t>Total: 0</a:t>
             </a:r>
-            <a:endParaRPr lang="en-US" dirty="0">
-              <a:solidFill>
-                <a:schemeClr val="bg1"/>
-              </a:solidFill>
-            </a:endParaRPr>
           </a:p>
         </p:txBody>
       </p:sp>
@@ -6350,10 +6186,9 @@
           <a:lstStyle/>
           <a:p>
             <a:r>
-              <a:rPr lang="en-US" sz="1600" dirty="0" smtClean="0"/>
+              <a:rPr lang="en-US" sz="1600" dirty="0"/>
               <a:t>On this example decision, if the left door had been activated, the gold and silver aliens would have been encountered. If the middle door had been activated, the black alien would have been encountered.</a:t>
             </a:r>
-            <a:endParaRPr lang="en-US" sz="1600" dirty="0"/>
           </a:p>
         </p:txBody>
       </p:sp>
@@ -6367,13 +6202,6 @@
   <p:clrMapOvr>
     <a:masterClrMapping/>
   </p:clrMapOvr>
-  <p:timing>
-    <p:tnLst>
-      <p:par>
-        <p:cTn xmlns:p14="http://schemas.microsoft.com/office/powerpoint/2010/main" id="1" dur="indefinite" restart="never" nodeType="tmRoot"/>
-      </p:par>
-    </p:tnLst>
-  </p:timing>
 </p:sld>
 </file>
 
@@ -6420,56 +6248,30 @@
               <a:rPr lang="en-US" dirty="0"/>
               <a:t>At the end of the game, the computer will randomly select 5 decisions that you made, and will add together the minerals that you gained and subtract the minerals you lost on those trials. </a:t>
             </a:r>
-            <a:endParaRPr lang="en-US" dirty="0" smtClean="0"/>
-          </a:p>
-          <a:p>
-            <a:r>
-              <a:rPr lang="en-US" dirty="0" smtClean="0"/>
-              <a:t>The </a:t>
-            </a:r>
+          </a:p>
+          <a:p>
             <a:r>
               <a:rPr lang="en-US" dirty="0"/>
-              <a:t>greater your total of minerals on these 5 trials, the more bonus money you will receive</a:t>
-            </a:r>
-            <a:r>
-              <a:rPr lang="en-US" dirty="0" smtClean="0"/>
-              <a:t>.</a:t>
-            </a:r>
-          </a:p>
-          <a:p>
-            <a:r>
-              <a:rPr lang="en-US" dirty="0" smtClean="0"/>
-              <a:t>You </a:t>
-            </a:r>
+              <a:t>The greater your total of minerals on these 5 trials, the more bonus money you will receive.</a:t>
+            </a:r>
+          </a:p>
+          <a:p>
             <a:r>
               <a:rPr lang="en-US" dirty="0"/>
-              <a:t>will earn the highest bonus if you try your best to encounter aliens that will provide minerals and avoid aliens that take minerals away</a:t>
-            </a:r>
-            <a:r>
-              <a:rPr lang="en-US" dirty="0" smtClean="0"/>
-              <a:t>.</a:t>
-            </a:r>
-          </a:p>
-          <a:p>
-            <a:r>
-              <a:rPr lang="en-US" dirty="0" smtClean="0"/>
-              <a:t>Lastly, for each choice, you will only have 3.5 seconds to decide. If you fail to decide in that time, for that decision, you will lose </a:t>
-            </a:r>
+              <a:t>You will earn the highest bonus if you try your best to encounter aliens that will provide minerals and avoid aliens that take minerals away.</a:t>
+            </a:r>
+          </a:p>
+          <a:p>
             <a:r>
               <a:rPr lang="en-US" dirty="0"/>
-              <a:t>3</a:t>
-            </a:r>
-            <a:r>
-              <a:rPr lang="en-US" dirty="0" smtClean="0"/>
-              <a:t> minerals.</a:t>
-            </a:r>
-          </a:p>
-          <a:p>
-            <a:r>
-              <a:rPr lang="en-US" dirty="0" smtClean="0"/>
+              <a:t>Lastly, for each choice, you will only have 3.5 seconds to decide. If you fail to decide in that time, for that decision, you will lose 3 minerals.</a:t>
+            </a:r>
+          </a:p>
+          <a:p>
+            <a:r>
+              <a:rPr lang="en-US" dirty="0"/>
               <a:t>You will need to pass a quiz on the instructions to begin the task.</a:t>
             </a:r>
-            <a:endParaRPr lang="en-US" dirty="0"/>
           </a:p>
           <a:p>
             <a:endParaRPr lang="en-US" dirty="0"/>
